--- a/Documents/ARCHITECTURE.pptx
+++ b/Documents/ARCHITECTURE.pptx
@@ -261,7 +261,7 @@
           <a:p>
             <a:fld id="{2551B035-6D5C-4009-B169-EF42AB0D56C0}" type="datetimeFigureOut">
               <a:rPr lang="en-IN" smtClean="0"/>
-              <a:t>25-04-2025</a:t>
+              <a:t>27-04-2025</a:t>
             </a:fld>
             <a:endParaRPr lang="en-IN"/>
           </a:p>
@@ -461,7 +461,7 @@
           <a:p>
             <a:fld id="{2551B035-6D5C-4009-B169-EF42AB0D56C0}" type="datetimeFigureOut">
               <a:rPr lang="en-IN" smtClean="0"/>
-              <a:t>25-04-2025</a:t>
+              <a:t>27-04-2025</a:t>
             </a:fld>
             <a:endParaRPr lang="en-IN"/>
           </a:p>
@@ -671,7 +671,7 @@
           <a:p>
             <a:fld id="{2551B035-6D5C-4009-B169-EF42AB0D56C0}" type="datetimeFigureOut">
               <a:rPr lang="en-IN" smtClean="0"/>
-              <a:t>25-04-2025</a:t>
+              <a:t>27-04-2025</a:t>
             </a:fld>
             <a:endParaRPr lang="en-IN"/>
           </a:p>
@@ -871,7 +871,7 @@
           <a:p>
             <a:fld id="{2551B035-6D5C-4009-B169-EF42AB0D56C0}" type="datetimeFigureOut">
               <a:rPr lang="en-IN" smtClean="0"/>
-              <a:t>25-04-2025</a:t>
+              <a:t>27-04-2025</a:t>
             </a:fld>
             <a:endParaRPr lang="en-IN"/>
           </a:p>
@@ -1147,7 +1147,7 @@
           <a:p>
             <a:fld id="{2551B035-6D5C-4009-B169-EF42AB0D56C0}" type="datetimeFigureOut">
               <a:rPr lang="en-IN" smtClean="0"/>
-              <a:t>25-04-2025</a:t>
+              <a:t>27-04-2025</a:t>
             </a:fld>
             <a:endParaRPr lang="en-IN"/>
           </a:p>
@@ -1415,7 +1415,7 @@
           <a:p>
             <a:fld id="{2551B035-6D5C-4009-B169-EF42AB0D56C0}" type="datetimeFigureOut">
               <a:rPr lang="en-IN" smtClean="0"/>
-              <a:t>25-04-2025</a:t>
+              <a:t>27-04-2025</a:t>
             </a:fld>
             <a:endParaRPr lang="en-IN"/>
           </a:p>
@@ -1830,7 +1830,7 @@
           <a:p>
             <a:fld id="{2551B035-6D5C-4009-B169-EF42AB0D56C0}" type="datetimeFigureOut">
               <a:rPr lang="en-IN" smtClean="0"/>
-              <a:t>25-04-2025</a:t>
+              <a:t>27-04-2025</a:t>
             </a:fld>
             <a:endParaRPr lang="en-IN"/>
           </a:p>
@@ -1972,7 +1972,7 @@
           <a:p>
             <a:fld id="{2551B035-6D5C-4009-B169-EF42AB0D56C0}" type="datetimeFigureOut">
               <a:rPr lang="en-IN" smtClean="0"/>
-              <a:t>25-04-2025</a:t>
+              <a:t>27-04-2025</a:t>
             </a:fld>
             <a:endParaRPr lang="en-IN"/>
           </a:p>
@@ -2085,7 +2085,7 @@
           <a:p>
             <a:fld id="{2551B035-6D5C-4009-B169-EF42AB0D56C0}" type="datetimeFigureOut">
               <a:rPr lang="en-IN" smtClean="0"/>
-              <a:t>25-04-2025</a:t>
+              <a:t>27-04-2025</a:t>
             </a:fld>
             <a:endParaRPr lang="en-IN"/>
           </a:p>
@@ -2398,7 +2398,7 @@
           <a:p>
             <a:fld id="{2551B035-6D5C-4009-B169-EF42AB0D56C0}" type="datetimeFigureOut">
               <a:rPr lang="en-IN" smtClean="0"/>
-              <a:t>25-04-2025</a:t>
+              <a:t>27-04-2025</a:t>
             </a:fld>
             <a:endParaRPr lang="en-IN"/>
           </a:p>
@@ -2687,7 +2687,7 @@
           <a:p>
             <a:fld id="{2551B035-6D5C-4009-B169-EF42AB0D56C0}" type="datetimeFigureOut">
               <a:rPr lang="en-IN" smtClean="0"/>
-              <a:t>25-04-2025</a:t>
+              <a:t>27-04-2025</a:t>
             </a:fld>
             <a:endParaRPr lang="en-IN"/>
           </a:p>
@@ -2930,7 +2930,7 @@
           <a:p>
             <a:fld id="{2551B035-6D5C-4009-B169-EF42AB0D56C0}" type="datetimeFigureOut">
               <a:rPr lang="en-IN" smtClean="0"/>
-              <a:t>25-04-2025</a:t>
+              <a:t>27-04-2025</a:t>
             </a:fld>
             <a:endParaRPr lang="en-IN"/>
           </a:p>
@@ -3969,7 +3969,7 @@
         </p:nvSpPr>
         <p:spPr>
           <a:xfrm>
-            <a:off x="9480145" y="5010353"/>
+            <a:off x="8452992" y="5010353"/>
             <a:ext cx="2452720" cy="1084521"/>
           </a:xfrm>
           <a:prstGeom prst="rect">
@@ -4003,7 +4003,7 @@
                   <a:schemeClr val="tx1"/>
                 </a:solidFill>
               </a:rPr>
-              <a:t>Database</a:t>
+              <a:t>RBAC Database</a:t>
             </a:r>
           </a:p>
           <a:p>
@@ -4273,94 +4273,6 @@
           </a:fontRef>
         </p:style>
       </p:cxnSp>
-      <p:cxnSp>
-        <p:nvCxnSpPr>
-          <p:cNvPr id="47" name="Connector: Elbow 46">
-            <a:extLst>
-              <a:ext uri="{FF2B5EF4-FFF2-40B4-BE49-F238E27FC236}">
-                <a16:creationId xmlns:a16="http://schemas.microsoft.com/office/drawing/2014/main" id="{71D78CD3-E7F4-F794-14E3-388780D8ADDC}"/>
-              </a:ext>
-            </a:extLst>
-          </p:cNvPr>
-          <p:cNvCxnSpPr>
-            <a:cxnSpLocks/>
-            <a:stCxn id="20" idx="3"/>
-            <a:endCxn id="28" idx="1"/>
-          </p:cNvCxnSpPr>
-          <p:nvPr/>
-        </p:nvCxnSpPr>
-        <p:spPr>
-          <a:xfrm flipV="1">
-            <a:off x="7216605" y="5552614"/>
-            <a:ext cx="2263540" cy="533785"/>
-          </a:xfrm>
-          <a:prstGeom prst="bentConnector3">
-            <a:avLst/>
-          </a:prstGeom>
-          <a:ln w="9525">
-            <a:solidFill>
-              <a:schemeClr val="tx1"/>
-            </a:solidFill>
-            <a:tailEnd type="triangle"/>
-          </a:ln>
-        </p:spPr>
-        <p:style>
-          <a:lnRef idx="1">
-            <a:schemeClr val="accent1"/>
-          </a:lnRef>
-          <a:fillRef idx="0">
-            <a:schemeClr val="accent1"/>
-          </a:fillRef>
-          <a:effectRef idx="0">
-            <a:schemeClr val="accent1"/>
-          </a:effectRef>
-          <a:fontRef idx="minor">
-            <a:schemeClr val="tx1"/>
-          </a:fontRef>
-        </p:style>
-      </p:cxnSp>
-      <p:sp>
-        <p:nvSpPr>
-          <p:cNvPr id="48" name="TextBox 47">
-            <a:extLst>
-              <a:ext uri="{FF2B5EF4-FFF2-40B4-BE49-F238E27FC236}">
-                <a16:creationId xmlns:a16="http://schemas.microsoft.com/office/drawing/2014/main" id="{A2DF746A-08C4-F64B-FB61-08CDF366EA0E}"/>
-              </a:ext>
-            </a:extLst>
-          </p:cNvPr>
-          <p:cNvSpPr txBox="1"/>
-          <p:nvPr/>
-        </p:nvSpPr>
-        <p:spPr>
-          <a:xfrm>
-            <a:off x="7398532" y="4971138"/>
-            <a:ext cx="1893064" cy="523220"/>
-          </a:xfrm>
-          <a:prstGeom prst="rect">
-            <a:avLst/>
-          </a:prstGeom>
-          <a:noFill/>
-          <a:ln>
-            <a:solidFill>
-              <a:schemeClr val="tx1"/>
-            </a:solidFill>
-            <a:prstDash val="dash"/>
-          </a:ln>
-        </p:spPr>
-        <p:txBody>
-          <a:bodyPr wrap="square" rtlCol="0">
-            <a:spAutoFit/>
-          </a:bodyPr>
-          <a:lstStyle/>
-          <a:p>
-            <a:pPr algn="ctr"/>
-            <a:r>
-              <a:rPr lang="en-IN" sz="1400" dirty="0"/>
-              <a:t>Success : Generate and store Auth Token</a:t>
-            </a:r>
-          </a:p>
-        </p:txBody>
-      </p:sp>
       <p:sp>
         <p:nvSpPr>
           <p:cNvPr id="49" name="TextBox 48">
@@ -4599,6 +4511,17 @@
               <a:t>Verification Black Box</a:t>
             </a:r>
           </a:p>
+          <a:p>
+            <a:pPr algn="ctr"/>
+            <a:r>
+              <a:rPr lang="en-IN" sz="1400" dirty="0">
+                <a:solidFill>
+                  <a:schemeClr val="tx1"/>
+                </a:solidFill>
+              </a:rPr>
+              <a:t>(Verifies the Token and RBAC)</a:t>
+            </a:r>
+          </a:p>
         </p:txBody>
       </p:sp>
       <p:sp>
@@ -4710,8 +4633,8 @@
         </p:nvSpPr>
         <p:spPr>
           <a:xfrm>
-            <a:off x="2588881" y="3882027"/>
-            <a:ext cx="1522818" cy="523220"/>
+            <a:off x="2422959" y="3882027"/>
+            <a:ext cx="1688740" cy="523220"/>
           </a:xfrm>
           <a:prstGeom prst="rect">
             <a:avLst/>
@@ -4733,7 +4656,7 @@
             <a:pPr algn="ctr"/>
             <a:r>
               <a:rPr lang="en-IN" sz="1400" dirty="0"/>
-              <a:t>Request :</a:t>
+              <a:t>API Request :</a:t>
             </a:r>
           </a:p>
           <a:p>
@@ -4859,8 +4782,8 @@
         </p:nvCxnSpPr>
         <p:spPr>
           <a:xfrm rot="16200000" flipH="1">
-            <a:off x="9236914" y="3540761"/>
-            <a:ext cx="1439065" cy="1500118"/>
+            <a:off x="8723337" y="4054337"/>
+            <a:ext cx="1439065" cy="472965"/>
           </a:xfrm>
           <a:prstGeom prst="bentConnector3">
             <a:avLst>
@@ -4973,7 +4896,7 @@
             <a:pPr algn="ctr"/>
             <a:r>
               <a:rPr lang="en-IN" sz="1400" dirty="0"/>
-              <a:t>Request :</a:t>
+              <a:t>API Request :</a:t>
             </a:r>
           </a:p>
           <a:p>
@@ -5186,17 +5109,17 @@
                   <a:sysClr val="windowText" lastClr="000000"/>
                 </a:solidFill>
               </a:rPr>
-              <a:t>3</a:t>
-            </a:r>
-          </a:p>
-        </p:txBody>
-      </p:sp>
-      <p:sp>
-        <p:nvSpPr>
-          <p:cNvPr id="157" name="Oval 156">
-            <a:extLst>
-              <a:ext uri="{FF2B5EF4-FFF2-40B4-BE49-F238E27FC236}">
-                <a16:creationId xmlns:a16="http://schemas.microsoft.com/office/drawing/2014/main" id="{84932E0C-22DF-83A5-AEA5-F268FFAA0567}"/>
+              <a:t>2</a:t>
+            </a:r>
+          </a:p>
+        </p:txBody>
+      </p:sp>
+      <p:sp>
+        <p:nvSpPr>
+          <p:cNvPr id="158" name="Oval 157">
+            <a:extLst>
+              <a:ext uri="{FF2B5EF4-FFF2-40B4-BE49-F238E27FC236}">
+                <a16:creationId xmlns:a16="http://schemas.microsoft.com/office/drawing/2014/main" id="{3F4991B0-C6F2-239B-6D2E-B4188D1720AB}"/>
               </a:ext>
             </a:extLst>
           </p:cNvPr>
@@ -5205,7 +5128,7 @@
         </p:nvSpPr>
         <p:spPr>
           <a:xfrm>
-            <a:off x="7438308" y="5668274"/>
+            <a:off x="2566327" y="4487219"/>
             <a:ext cx="306795" cy="306795"/>
           </a:xfrm>
           <a:prstGeom prst="ellipse">
@@ -5245,17 +5168,17 @@
                   <a:sysClr val="windowText" lastClr="000000"/>
                 </a:solidFill>
               </a:rPr>
-              <a:t>2</a:t>
-            </a:r>
-          </a:p>
-        </p:txBody>
-      </p:sp>
-      <p:sp>
-        <p:nvSpPr>
-          <p:cNvPr id="158" name="Oval 157">
-            <a:extLst>
-              <a:ext uri="{FF2B5EF4-FFF2-40B4-BE49-F238E27FC236}">
-                <a16:creationId xmlns:a16="http://schemas.microsoft.com/office/drawing/2014/main" id="{3F4991B0-C6F2-239B-6D2E-B4188D1720AB}"/>
+              <a:t>3</a:t>
+            </a:r>
+          </a:p>
+        </p:txBody>
+      </p:sp>
+      <p:sp>
+        <p:nvSpPr>
+          <p:cNvPr id="159" name="Oval 158">
+            <a:extLst>
+              <a:ext uri="{FF2B5EF4-FFF2-40B4-BE49-F238E27FC236}">
+                <a16:creationId xmlns:a16="http://schemas.microsoft.com/office/drawing/2014/main" id="{DB37180B-AE58-900D-A8BB-42AD43A7750B}"/>
               </a:ext>
             </a:extLst>
           </p:cNvPr>
@@ -5264,7 +5187,7 @@
         </p:nvSpPr>
         <p:spPr>
           <a:xfrm>
-            <a:off x="2566327" y="4487219"/>
+            <a:off x="8984801" y="4482772"/>
             <a:ext cx="306795" cy="306795"/>
           </a:xfrm>
           <a:prstGeom prst="ellipse">
@@ -5311,10 +5234,10 @@
       </p:sp>
       <p:sp>
         <p:nvSpPr>
-          <p:cNvPr id="159" name="Oval 158">
-            <a:extLst>
-              <a:ext uri="{FF2B5EF4-FFF2-40B4-BE49-F238E27FC236}">
-                <a16:creationId xmlns:a16="http://schemas.microsoft.com/office/drawing/2014/main" id="{DB37180B-AE58-900D-A8BB-42AD43A7750B}"/>
+          <p:cNvPr id="160" name="Oval 159">
+            <a:extLst>
+              <a:ext uri="{FF2B5EF4-FFF2-40B4-BE49-F238E27FC236}">
+                <a16:creationId xmlns:a16="http://schemas.microsoft.com/office/drawing/2014/main" id="{EC9B00E7-BA33-8710-3AC4-70B9B987338B}"/>
               </a:ext>
             </a:extLst>
           </p:cNvPr>
@@ -5323,7 +5246,7 @@
         </p:nvSpPr>
         <p:spPr>
           <a:xfrm>
-            <a:off x="8984801" y="4482772"/>
+            <a:off x="11470059" y="2146190"/>
             <a:ext cx="306795" cy="306795"/>
           </a:xfrm>
           <a:prstGeom prst="ellipse">
@@ -5370,10 +5293,10 @@
       </p:sp>
       <p:sp>
         <p:nvSpPr>
-          <p:cNvPr id="160" name="Oval 159">
-            <a:extLst>
-              <a:ext uri="{FF2B5EF4-FFF2-40B4-BE49-F238E27FC236}">
-                <a16:creationId xmlns:a16="http://schemas.microsoft.com/office/drawing/2014/main" id="{EC9B00E7-BA33-8710-3AC4-70B9B987338B}"/>
+          <p:cNvPr id="162" name="Oval 161">
+            <a:extLst>
+              <a:ext uri="{FF2B5EF4-FFF2-40B4-BE49-F238E27FC236}">
+                <a16:creationId xmlns:a16="http://schemas.microsoft.com/office/drawing/2014/main" id="{FD72FD2D-3778-A38A-D55D-DBB631B08CF6}"/>
               </a:ext>
             </a:extLst>
           </p:cNvPr>
@@ -5382,7 +5305,7 @@
         </p:nvSpPr>
         <p:spPr>
           <a:xfrm>
-            <a:off x="11470059" y="2146190"/>
+            <a:off x="11470058" y="3892879"/>
             <a:ext cx="306795" cy="306795"/>
           </a:xfrm>
           <a:prstGeom prst="ellipse">
@@ -5422,17 +5345,17 @@
                   <a:sysClr val="windowText" lastClr="000000"/>
                 </a:solidFill>
               </a:rPr>
-              <a:t>6</a:t>
-            </a:r>
-          </a:p>
-        </p:txBody>
-      </p:sp>
-      <p:sp>
-        <p:nvSpPr>
-          <p:cNvPr id="162" name="Oval 161">
-            <a:extLst>
-              <a:ext uri="{FF2B5EF4-FFF2-40B4-BE49-F238E27FC236}">
-                <a16:creationId xmlns:a16="http://schemas.microsoft.com/office/drawing/2014/main" id="{FD72FD2D-3778-A38A-D55D-DBB631B08CF6}"/>
+              <a:t>5</a:t>
+            </a:r>
+          </a:p>
+        </p:txBody>
+      </p:sp>
+      <p:sp>
+        <p:nvSpPr>
+          <p:cNvPr id="163" name="Oval 162">
+            <a:extLst>
+              <a:ext uri="{FF2B5EF4-FFF2-40B4-BE49-F238E27FC236}">
+                <a16:creationId xmlns:a16="http://schemas.microsoft.com/office/drawing/2014/main" id="{6AFCE636-CF01-4D3C-1AC7-60923369DD13}"/>
               </a:ext>
             </a:extLst>
           </p:cNvPr>
@@ -5441,7 +5364,7 @@
         </p:nvSpPr>
         <p:spPr>
           <a:xfrm>
-            <a:off x="11470058" y="3892879"/>
+            <a:off x="7372296" y="2687963"/>
             <a:ext cx="306795" cy="306795"/>
           </a:xfrm>
           <a:prstGeom prst="ellipse">
@@ -5481,17 +5404,112 @@
                   <a:sysClr val="windowText" lastClr="000000"/>
                 </a:solidFill>
               </a:rPr>
-              <a:t>6</a:t>
-            </a:r>
-          </a:p>
-        </p:txBody>
-      </p:sp>
-      <p:sp>
-        <p:nvSpPr>
-          <p:cNvPr id="163" name="Oval 162">
-            <a:extLst>
-              <a:ext uri="{FF2B5EF4-FFF2-40B4-BE49-F238E27FC236}">
-                <a16:creationId xmlns:a16="http://schemas.microsoft.com/office/drawing/2014/main" id="{6AFCE636-CF01-4D3C-1AC7-60923369DD13}"/>
+              <a:t>5</a:t>
+            </a:r>
+          </a:p>
+        </p:txBody>
+      </p:sp>
+      <p:cxnSp>
+        <p:nvCxnSpPr>
+          <p:cNvPr id="18" name="Connector: Elbow 17">
+            <a:extLst>
+              <a:ext uri="{FF2B5EF4-FFF2-40B4-BE49-F238E27FC236}">
+                <a16:creationId xmlns:a16="http://schemas.microsoft.com/office/drawing/2014/main" id="{ACCA4656-08A4-1D0C-BB71-CFD28EAE13D6}"/>
+              </a:ext>
+            </a:extLst>
+          </p:cNvPr>
+          <p:cNvCxnSpPr>
+            <a:cxnSpLocks/>
+          </p:cNvCxnSpPr>
+          <p:nvPr/>
+        </p:nvCxnSpPr>
+        <p:spPr>
+          <a:xfrm rot="10800000" flipV="1">
+            <a:off x="2179608" y="1784326"/>
+            <a:ext cx="2511360" cy="862632"/>
+          </a:xfrm>
+          <a:prstGeom prst="bentConnector3">
+            <a:avLst>
+              <a:gd name="adj1" fmla="val 99981"/>
+            </a:avLst>
+          </a:prstGeom>
+          <a:ln w="9525">
+            <a:solidFill>
+              <a:schemeClr val="tx1"/>
+            </a:solidFill>
+            <a:tailEnd type="triangle"/>
+          </a:ln>
+        </p:spPr>
+        <p:style>
+          <a:lnRef idx="1">
+            <a:schemeClr val="accent1"/>
+          </a:lnRef>
+          <a:fillRef idx="0">
+            <a:schemeClr val="accent1"/>
+          </a:fillRef>
+          <a:effectRef idx="0">
+            <a:schemeClr val="accent1"/>
+          </a:effectRef>
+          <a:fontRef idx="minor">
+            <a:schemeClr val="tx1"/>
+          </a:fontRef>
+        </p:style>
+      </p:cxnSp>
+      <p:sp>
+        <p:nvSpPr>
+          <p:cNvPr id="50" name="TextBox 49">
+            <a:extLst>
+              <a:ext uri="{FF2B5EF4-FFF2-40B4-BE49-F238E27FC236}">
+                <a16:creationId xmlns:a16="http://schemas.microsoft.com/office/drawing/2014/main" id="{47D7C3AB-ACA4-C71E-FB04-FD7CB3D850FF}"/>
+              </a:ext>
+            </a:extLst>
+          </p:cNvPr>
+          <p:cNvSpPr txBox="1"/>
+          <p:nvPr/>
+        </p:nvSpPr>
+        <p:spPr>
+          <a:xfrm>
+            <a:off x="2428436" y="1168402"/>
+            <a:ext cx="2013703" cy="523220"/>
+          </a:xfrm>
+          <a:prstGeom prst="rect">
+            <a:avLst/>
+          </a:prstGeom>
+          <a:noFill/>
+          <a:ln>
+            <a:solidFill>
+              <a:schemeClr val="tx1"/>
+            </a:solidFill>
+            <a:prstDash val="dash"/>
+          </a:ln>
+        </p:spPr>
+        <p:txBody>
+          <a:bodyPr wrap="square" rtlCol="0">
+            <a:spAutoFit/>
+          </a:bodyPr>
+          <a:lstStyle/>
+          <a:p>
+            <a:pPr algn="ctr"/>
+            <a:r>
+              <a:rPr lang="en-IN" sz="1400" dirty="0"/>
+              <a:t>Success / Failure :</a:t>
+            </a:r>
+          </a:p>
+          <a:p>
+            <a:pPr algn="ctr"/>
+            <a:r>
+              <a:rPr lang="en-IN" sz="1400" dirty="0"/>
+              <a:t>Data / Failure Response</a:t>
+            </a:r>
+          </a:p>
+        </p:txBody>
+      </p:sp>
+      <p:sp>
+        <p:nvSpPr>
+          <p:cNvPr id="52" name="Oval 51">
+            <a:extLst>
+              <a:ext uri="{FF2B5EF4-FFF2-40B4-BE49-F238E27FC236}">
+                <a16:creationId xmlns:a16="http://schemas.microsoft.com/office/drawing/2014/main" id="{82EAF77A-20C8-540C-3086-77E36378650F}"/>
               </a:ext>
             </a:extLst>
           </p:cNvPr>
@@ -5500,7 +5518,7 @@
         </p:nvSpPr>
         <p:spPr>
           <a:xfrm>
-            <a:off x="7372296" y="2687963"/>
+            <a:off x="2016413" y="1219900"/>
             <a:ext cx="306795" cy="306795"/>
           </a:xfrm>
           <a:prstGeom prst="ellipse">
